--- a/lecture-materials/Compute/1-ec2/EC2.pptx
+++ b/lecture-materials/Compute/1-ec2/EC2.pptx
@@ -5,7 +5,7 @@
     <p:sldMasterId id="2147483659" r:id="rId1"/>
   </p:sldMasterIdLst>
   <p:notesMasterIdLst>
-    <p:notesMasterId r:id="rId45"/>
+    <p:notesMasterId r:id="rId44"/>
   </p:notesMasterIdLst>
   <p:sldIdLst>
     <p:sldId id="256" r:id="rId2"/>
@@ -27,40 +27,39 @@
     <p:sldId id="272" r:id="rId18"/>
     <p:sldId id="273" r:id="rId19"/>
     <p:sldId id="274" r:id="rId20"/>
-    <p:sldId id="297" r:id="rId21"/>
-    <p:sldId id="275" r:id="rId22"/>
-    <p:sldId id="276" r:id="rId23"/>
-    <p:sldId id="277" r:id="rId24"/>
-    <p:sldId id="278" r:id="rId25"/>
-    <p:sldId id="279" r:id="rId26"/>
-    <p:sldId id="280" r:id="rId27"/>
-    <p:sldId id="281" r:id="rId28"/>
-    <p:sldId id="282" r:id="rId29"/>
-    <p:sldId id="283" r:id="rId30"/>
-    <p:sldId id="284" r:id="rId31"/>
-    <p:sldId id="285" r:id="rId32"/>
-    <p:sldId id="286" r:id="rId33"/>
-    <p:sldId id="287" r:id="rId34"/>
-    <p:sldId id="288" r:id="rId35"/>
-    <p:sldId id="289" r:id="rId36"/>
-    <p:sldId id="290" r:id="rId37"/>
-    <p:sldId id="291" r:id="rId38"/>
-    <p:sldId id="292" r:id="rId39"/>
-    <p:sldId id="293" r:id="rId40"/>
-    <p:sldId id="294" r:id="rId41"/>
-    <p:sldId id="295" r:id="rId42"/>
-    <p:sldId id="296" r:id="rId43"/>
-    <p:sldId id="298" r:id="rId44"/>
+    <p:sldId id="275" r:id="rId21"/>
+    <p:sldId id="276" r:id="rId22"/>
+    <p:sldId id="277" r:id="rId23"/>
+    <p:sldId id="278" r:id="rId24"/>
+    <p:sldId id="279" r:id="rId25"/>
+    <p:sldId id="280" r:id="rId26"/>
+    <p:sldId id="281" r:id="rId27"/>
+    <p:sldId id="282" r:id="rId28"/>
+    <p:sldId id="283" r:id="rId29"/>
+    <p:sldId id="284" r:id="rId30"/>
+    <p:sldId id="285" r:id="rId31"/>
+    <p:sldId id="286" r:id="rId32"/>
+    <p:sldId id="287" r:id="rId33"/>
+    <p:sldId id="288" r:id="rId34"/>
+    <p:sldId id="289" r:id="rId35"/>
+    <p:sldId id="290" r:id="rId36"/>
+    <p:sldId id="291" r:id="rId37"/>
+    <p:sldId id="292" r:id="rId38"/>
+    <p:sldId id="293" r:id="rId39"/>
+    <p:sldId id="294" r:id="rId40"/>
+    <p:sldId id="295" r:id="rId41"/>
+    <p:sldId id="296" r:id="rId42"/>
+    <p:sldId id="298" r:id="rId43"/>
   </p:sldIdLst>
   <p:sldSz cx="9144000" cy="5143500" type="screen16x9"/>
   <p:notesSz cx="6858000" cy="9144000"/>
   <p:embeddedFontLst>
     <p:embeddedFont>
       <p:font typeface="Roboto" panose="02000000000000000000" pitchFamily="2" charset="0"/>
-      <p:regular r:id="rId46"/>
-      <p:bold r:id="rId47"/>
-      <p:italic r:id="rId48"/>
-      <p:boldItalic r:id="rId49"/>
+      <p:regular r:id="rId45"/>
+      <p:bold r:id="rId46"/>
+      <p:italic r:id="rId47"/>
+      <p:boldItalic r:id="rId48"/>
     </p:embeddedFont>
   </p:embeddedFontLst>
   <p:defaultTextStyle>
@@ -2133,7 +2132,7 @@
         </p:nvSpPr>
         <p:spPr>
           <a:xfrm>
-            <a:off x="381300" y="685800"/>
+            <a:off x="381000" y="685800"/>
             <a:ext cx="6096000" cy="3429000"/>
           </a:xfrm>
           <a:custGeom>
@@ -2341,7 +2340,7 @@
         </p:nvSpPr>
         <p:spPr>
           <a:xfrm>
-            <a:off x="381300" y="685800"/>
+            <a:off x="381000" y="685800"/>
             <a:ext cx="6096000" cy="3429000"/>
           </a:xfrm>
           <a:custGeom>
@@ -13705,86 +13704,6 @@
   <p:cSld>
     <p:spTree>
       <p:nvGrpSpPr>
-        <p:cNvPr id="1" name=""/>
-        <p:cNvGrpSpPr/>
-        <p:nvPr/>
-      </p:nvGrpSpPr>
-      <p:grpSpPr>
-        <a:xfrm>
-          <a:off x="0" y="0"/>
-          <a:ext cx="0" cy="0"/>
-          <a:chOff x="0" y="0"/>
-          <a:chExt cx="0" cy="0"/>
-        </a:xfrm>
-      </p:grpSpPr>
-      <p:sp>
-        <p:nvSpPr>
-          <p:cNvPr id="2" name="Title 1">
-            <a:extLst>
-              <a:ext uri="{FF2B5EF4-FFF2-40B4-BE49-F238E27FC236}">
-                <a16:creationId xmlns:a16="http://schemas.microsoft.com/office/drawing/2014/main" id="{BF2FEF52-8041-07EA-4574-A7E31D8AB86B}"/>
-              </a:ext>
-            </a:extLst>
-          </p:cNvPr>
-          <p:cNvSpPr>
-            <a:spLocks noGrp="1"/>
-          </p:cNvSpPr>
-          <p:nvPr>
-            <p:ph type="title"/>
-          </p:nvPr>
-        </p:nvSpPr>
-        <p:spPr/>
-        <p:txBody>
-          <a:bodyPr/>
-          <a:lstStyle/>
-          <a:p>
-            <a:endParaRPr lang="en-CH"/>
-          </a:p>
-        </p:txBody>
-      </p:sp>
-      <p:sp>
-        <p:nvSpPr>
-          <p:cNvPr id="3" name="Text Placeholder 2">
-            <a:extLst>
-              <a:ext uri="{FF2B5EF4-FFF2-40B4-BE49-F238E27FC236}">
-                <a16:creationId xmlns:a16="http://schemas.microsoft.com/office/drawing/2014/main" id="{D5CABC6F-077F-C5DA-F008-22529D0B3E3E}"/>
-              </a:ext>
-            </a:extLst>
-          </p:cNvPr>
-          <p:cNvSpPr>
-            <a:spLocks noGrp="1"/>
-          </p:cNvSpPr>
-          <p:nvPr>
-            <p:ph type="body" idx="1"/>
-          </p:nvPr>
-        </p:nvSpPr>
-        <p:spPr/>
-        <p:txBody>
-          <a:bodyPr/>
-          <a:lstStyle/>
-          <a:p>
-            <a:endParaRPr lang="en-CH"/>
-          </a:p>
-        </p:txBody>
-      </p:sp>
-    </p:spTree>
-    <p:extLst>
-      <p:ext uri="{BB962C8B-B14F-4D97-AF65-F5344CB8AC3E}">
-        <p14:creationId xmlns:p14="http://schemas.microsoft.com/office/powerpoint/2010/main" val="3502045252"/>
-      </p:ext>
-    </p:extLst>
-  </p:cSld>
-  <p:clrMapOvr>
-    <a:masterClrMapping/>
-  </p:clrMapOvr>
-</p:sld>
-</file>
-
-<file path=ppt/slides/slide21.xml><?xml version="1.0" encoding="utf-8"?>
-<p:sld xmlns:a="http://schemas.openxmlformats.org/drawingml/2006/main" xmlns:r="http://schemas.openxmlformats.org/officeDocument/2006/relationships" xmlns:p="http://schemas.openxmlformats.org/presentationml/2006/main">
-  <p:cSld>
-    <p:spTree>
-      <p:nvGrpSpPr>
         <p:cNvPr id="1" name="Shape 189"/>
         <p:cNvGrpSpPr/>
         <p:nvPr/>
@@ -14183,7 +14102,7 @@
 </p:sld>
 </file>
 
-<file path=ppt/slides/slide22.xml><?xml version="1.0" encoding="utf-8"?>
+<file path=ppt/slides/slide21.xml><?xml version="1.0" encoding="utf-8"?>
 <p:sld xmlns:a="http://schemas.openxmlformats.org/drawingml/2006/main" xmlns:r="http://schemas.openxmlformats.org/officeDocument/2006/relationships" xmlns:p="http://schemas.openxmlformats.org/presentationml/2006/main">
   <p:cSld>
     <p:spTree>
@@ -14238,10 +14157,10 @@
               <a:buNone/>
             </a:pPr>
             <a:r>
-              <a:rPr lang="en" sz="2400"/>
+              <a:rPr lang="en" sz="2400" dirty="0"/>
               <a:t>Instance purchasing options: Reserved Instances</a:t>
             </a:r>
-            <a:endParaRPr sz="2400"/>
+            <a:endParaRPr sz="2400" dirty="0"/>
           </a:p>
         </p:txBody>
       </p:sp>
@@ -14617,7 +14536,7 @@
 </p:sld>
 </file>
 
-<file path=ppt/slides/slide23.xml><?xml version="1.0" encoding="utf-8"?>
+<file path=ppt/slides/slide22.xml><?xml version="1.0" encoding="utf-8"?>
 <p:sld xmlns:a="http://schemas.openxmlformats.org/drawingml/2006/main" xmlns:r="http://schemas.openxmlformats.org/officeDocument/2006/relationships" xmlns:p="http://schemas.openxmlformats.org/presentationml/2006/main">
   <p:cSld>
     <p:spTree>
@@ -14902,7 +14821,7 @@
 </p:sld>
 </file>
 
-<file path=ppt/slides/slide24.xml><?xml version="1.0" encoding="utf-8"?>
+<file path=ppt/slides/slide23.xml><?xml version="1.0" encoding="utf-8"?>
 <p:sld xmlns:a="http://schemas.openxmlformats.org/drawingml/2006/main" xmlns:r="http://schemas.openxmlformats.org/officeDocument/2006/relationships" xmlns:p="http://schemas.openxmlformats.org/presentationml/2006/main">
   <p:cSld>
     <p:spTree>
@@ -14919,51 +14838,6 @@
           <a:chExt cx="0" cy="0"/>
         </a:xfrm>
       </p:grpSpPr>
-      <p:sp>
-        <p:nvSpPr>
-          <p:cNvPr id="210" name="Google Shape;210;p35"/>
-          <p:cNvSpPr txBox="1">
-            <a:spLocks noGrp="1"/>
-          </p:cNvSpPr>
-          <p:nvPr>
-            <p:ph type="title"/>
-          </p:nvPr>
-        </p:nvSpPr>
-        <p:spPr>
-          <a:xfrm>
-            <a:off x="311700" y="172875"/>
-            <a:ext cx="8520600" cy="572700"/>
-          </a:xfrm>
-          <a:prstGeom prst="rect">
-            <a:avLst/>
-          </a:prstGeom>
-        </p:spPr>
-        <p:txBody>
-          <a:bodyPr spcFirstLastPara="1" wrap="square" lIns="91425" tIns="91425" rIns="91425" bIns="91425" anchor="t" anchorCtr="0">
-            <a:normAutofit fontScale="90000"/>
-          </a:bodyPr>
-          <a:lstStyle/>
-          <a:p>
-            <a:pPr marL="0" lvl="0" indent="0" algn="l" rtl="0">
-              <a:lnSpc>
-                <a:spcPct val="122600"/>
-              </a:lnSpc>
-              <a:spcBef>
-                <a:spcPts val="2300"/>
-              </a:spcBef>
-              <a:spcAft>
-                <a:spcPts val="800"/>
-              </a:spcAft>
-              <a:buNone/>
-            </a:pPr>
-            <a:r>
-              <a:rPr lang="en" sz="2400"/>
-              <a:t>Instance purchasing options: Dedicated host vs dedicated instances</a:t>
-            </a:r>
-            <a:endParaRPr/>
-          </a:p>
-        </p:txBody>
-      </p:sp>
       <p:pic>
         <p:nvPicPr>
           <p:cNvPr id="211" name="Google Shape;211;p35"/>
@@ -15027,18 +14901,54 @@
               <a:buNone/>
             </a:pPr>
             <a:r>
-              <a:rPr lang="en" sz="1050">
+              <a:rPr lang="en" sz="1050" dirty="0">
                 <a:solidFill>
                   <a:schemeClr val="dk1"/>
                 </a:solidFill>
               </a:rPr>
               <a:t>An important difference between a Dedicated Host and a Dedicated instance is that a Dedicated Host gives you additional visibility and control over how instances are placed on a physical server, and you can consistently deploy your instances to the same physical server over time. </a:t>
             </a:r>
-            <a:endParaRPr>
+            <a:endParaRPr dirty="0">
               <a:solidFill>
                 <a:schemeClr val="dk1"/>
               </a:solidFill>
             </a:endParaRPr>
+          </a:p>
+        </p:txBody>
+      </p:sp>
+      <p:sp>
+        <p:nvSpPr>
+          <p:cNvPr id="3" name="TextBox 2">
+            <a:extLst>
+              <a:ext uri="{FF2B5EF4-FFF2-40B4-BE49-F238E27FC236}">
+                <a16:creationId xmlns:a16="http://schemas.microsoft.com/office/drawing/2014/main" id="{A393AA02-2464-1B6C-1087-41929F093A00}"/>
+              </a:ext>
+            </a:extLst>
+          </p:cNvPr>
+          <p:cNvSpPr txBox="1"/>
+          <p:nvPr/>
+        </p:nvSpPr>
+        <p:spPr>
+          <a:xfrm>
+            <a:off x="453609" y="104465"/>
+            <a:ext cx="8236781" cy="400110"/>
+          </a:xfrm>
+          <a:prstGeom prst="rect">
+            <a:avLst/>
+          </a:prstGeom>
+          <a:noFill/>
+        </p:spPr>
+        <p:txBody>
+          <a:bodyPr wrap="square">
+            <a:spAutoFit/>
+          </a:bodyPr>
+          <a:lstStyle/>
+          <a:p>
+            <a:r>
+              <a:rPr lang="en" sz="2000" dirty="0"/>
+              <a:t>Instance purchasing options: Dedicated host vs dedicated instances</a:t>
+            </a:r>
+            <a:endParaRPr lang="en-CH" sz="2000" dirty="0"/>
           </a:p>
         </p:txBody>
       </p:sp>
@@ -15050,7 +14960,7 @@
 </p:sld>
 </file>
 
-<file path=ppt/slides/slide25.xml><?xml version="1.0" encoding="utf-8"?>
+<file path=ppt/slides/slide24.xml><?xml version="1.0" encoding="utf-8"?>
 <p:sld xmlns:a="http://schemas.openxmlformats.org/drawingml/2006/main" xmlns:r="http://schemas.openxmlformats.org/officeDocument/2006/relationships" xmlns:p="http://schemas.openxmlformats.org/presentationml/2006/main">
   <p:cSld>
     <p:spTree>
@@ -15155,7 +15065,7 @@
 </p:sld>
 </file>
 
-<file path=ppt/slides/slide26.xml><?xml version="1.0" encoding="utf-8"?>
+<file path=ppt/slides/slide25.xml><?xml version="1.0" encoding="utf-8"?>
 <p:sld xmlns:a="http://schemas.openxmlformats.org/drawingml/2006/main" xmlns:r="http://schemas.openxmlformats.org/officeDocument/2006/relationships" xmlns:p="http://schemas.openxmlformats.org/presentationml/2006/main">
   <p:cSld>
     <p:spTree>
@@ -15483,7 +15393,7 @@
 </p:sld>
 </file>
 
-<file path=ppt/slides/slide27.xml><?xml version="1.0" encoding="utf-8"?>
+<file path=ppt/slides/slide26.xml><?xml version="1.0" encoding="utf-8"?>
 <p:sld xmlns:a="http://schemas.openxmlformats.org/drawingml/2006/main" xmlns:r="http://schemas.openxmlformats.org/officeDocument/2006/relationships" xmlns:p="http://schemas.openxmlformats.org/presentationml/2006/main">
   <p:cSld>
     <p:spTree>
@@ -15704,7 +15614,7 @@
 </p:sld>
 </file>
 
-<file path=ppt/slides/slide28.xml><?xml version="1.0" encoding="utf-8"?>
+<file path=ppt/slides/slide27.xml><?xml version="1.0" encoding="utf-8"?>
 <p:sld xmlns:a="http://schemas.openxmlformats.org/drawingml/2006/main" xmlns:r="http://schemas.openxmlformats.org/officeDocument/2006/relationships" xmlns:p="http://schemas.openxmlformats.org/presentationml/2006/main">
   <p:cSld>
     <p:spTree>
@@ -16056,7 +15966,7 @@
 </p:sld>
 </file>
 
-<file path=ppt/slides/slide29.xml><?xml version="1.0" encoding="utf-8"?>
+<file path=ppt/slides/slide28.xml><?xml version="1.0" encoding="utf-8"?>
 <p:sld xmlns:a="http://schemas.openxmlformats.org/drawingml/2006/main" xmlns:r="http://schemas.openxmlformats.org/officeDocument/2006/relationships" xmlns:p="http://schemas.openxmlformats.org/presentationml/2006/main">
   <p:cSld>
     <p:spTree>
@@ -16286,6 +16196,401 @@
           </a:ln>
         </p:spPr>
       </p:pic>
+    </p:spTree>
+  </p:cSld>
+  <p:clrMapOvr>
+    <a:masterClrMapping/>
+  </p:clrMapOvr>
+</p:sld>
+</file>
+
+<file path=ppt/slides/slide29.xml><?xml version="1.0" encoding="utf-8"?>
+<p:sld xmlns:a="http://schemas.openxmlformats.org/drawingml/2006/main" xmlns:r="http://schemas.openxmlformats.org/officeDocument/2006/relationships" xmlns:p="http://schemas.openxmlformats.org/presentationml/2006/main">
+  <p:cSld>
+    <p:spTree>
+      <p:nvGrpSpPr>
+        <p:cNvPr id="1" name="Shape 249"/>
+        <p:cNvGrpSpPr/>
+        <p:nvPr/>
+      </p:nvGrpSpPr>
+      <p:grpSpPr>
+        <a:xfrm>
+          <a:off x="0" y="0"/>
+          <a:ext cx="0" cy="0"/>
+          <a:chOff x="0" y="0"/>
+          <a:chExt cx="0" cy="0"/>
+        </a:xfrm>
+      </p:grpSpPr>
+      <p:sp>
+        <p:nvSpPr>
+          <p:cNvPr id="250" name="Google Shape;250;p41"/>
+          <p:cNvSpPr txBox="1">
+            <a:spLocks noGrp="1"/>
+          </p:cNvSpPr>
+          <p:nvPr>
+            <p:ph type="title"/>
+          </p:nvPr>
+        </p:nvSpPr>
+        <p:spPr>
+          <a:xfrm>
+            <a:off x="311700" y="445025"/>
+            <a:ext cx="8520600" cy="572700"/>
+          </a:xfrm>
+          <a:prstGeom prst="rect">
+            <a:avLst/>
+          </a:prstGeom>
+        </p:spPr>
+        <p:txBody>
+          <a:bodyPr spcFirstLastPara="1" wrap="square" lIns="91425" tIns="91425" rIns="91425" bIns="91425" anchor="t" anchorCtr="0">
+            <a:normAutofit fontScale="90000"/>
+          </a:bodyPr>
+          <a:lstStyle/>
+          <a:p>
+            <a:pPr marL="0" lvl="0" indent="0" algn="l" rtl="0">
+              <a:spcBef>
+                <a:spcPts val="0"/>
+              </a:spcBef>
+              <a:spcAft>
+                <a:spcPts val="0"/>
+              </a:spcAft>
+              <a:buNone/>
+            </a:pPr>
+            <a:r>
+              <a:rPr lang="en"/>
+              <a:t>Auto scaling group Components</a:t>
+            </a:r>
+            <a:endParaRPr/>
+          </a:p>
+        </p:txBody>
+      </p:sp>
+      <p:sp>
+        <p:nvSpPr>
+          <p:cNvPr id="251" name="Google Shape;251;p41"/>
+          <p:cNvSpPr txBox="1">
+            <a:spLocks noGrp="1"/>
+          </p:cNvSpPr>
+          <p:nvPr>
+            <p:ph type="body" idx="1"/>
+          </p:nvPr>
+        </p:nvSpPr>
+        <p:spPr>
+          <a:xfrm>
+            <a:off x="311700" y="1152475"/>
+            <a:ext cx="8520600" cy="3416400"/>
+          </a:xfrm>
+          <a:prstGeom prst="rect">
+            <a:avLst/>
+          </a:prstGeom>
+        </p:spPr>
+        <p:txBody>
+          <a:bodyPr spcFirstLastPara="1" wrap="square" lIns="91425" tIns="91425" rIns="91425" bIns="91425" anchor="t" anchorCtr="0">
+            <a:normAutofit/>
+          </a:bodyPr>
+          <a:lstStyle/>
+          <a:p>
+            <a:pPr marL="0" lvl="0" indent="0" algn="l" rtl="0">
+              <a:lnSpc>
+                <a:spcPct val="122600"/>
+              </a:lnSpc>
+              <a:spcBef>
+                <a:spcPts val="2800"/>
+              </a:spcBef>
+              <a:spcAft>
+                <a:spcPts val="0"/>
+              </a:spcAft>
+              <a:buNone/>
+            </a:pPr>
+            <a:endParaRPr sz="1200" b="1">
+              <a:solidFill>
+                <a:srgbClr val="16191F"/>
+              </a:solidFill>
+              <a:highlight>
+                <a:srgbClr val="FFFFFF"/>
+              </a:highlight>
+              <a:latin typeface="Arial"/>
+              <a:ea typeface="Arial"/>
+              <a:cs typeface="Arial"/>
+              <a:sym typeface="Arial"/>
+            </a:endParaRPr>
+          </a:p>
+          <a:p>
+            <a:pPr marL="457200" lvl="0" indent="-304800" algn="l" rtl="0">
+              <a:spcBef>
+                <a:spcPts val="2100"/>
+              </a:spcBef>
+              <a:spcAft>
+                <a:spcPts val="0"/>
+              </a:spcAft>
+              <a:buClr>
+                <a:srgbClr val="16191F"/>
+              </a:buClr>
+              <a:buSzPts val="1200"/>
+              <a:buFont typeface="Arial"/>
+              <a:buChar char="●"/>
+            </a:pPr>
+            <a:r>
+              <a:rPr lang="en" sz="1200" b="1">
+                <a:solidFill>
+                  <a:srgbClr val="16191F"/>
+                </a:solidFill>
+                <a:highlight>
+                  <a:srgbClr val="FFFFFF"/>
+                </a:highlight>
+                <a:latin typeface="Arial"/>
+                <a:ea typeface="Arial"/>
+                <a:cs typeface="Arial"/>
+                <a:sym typeface="Arial"/>
+              </a:rPr>
+              <a:t>Groups - </a:t>
+            </a:r>
+            <a:r>
+              <a:rPr lang="en" sz="1200">
+                <a:solidFill>
+                  <a:srgbClr val="16191F"/>
+                </a:solidFill>
+                <a:highlight>
+                  <a:srgbClr val="FFFFFF"/>
+                </a:highlight>
+                <a:latin typeface="Arial"/>
+                <a:ea typeface="Arial"/>
+                <a:cs typeface="Arial"/>
+                <a:sym typeface="Arial"/>
+              </a:rPr>
+              <a:t>Your EC2 instances are organized into </a:t>
+            </a:r>
+            <a:r>
+              <a:rPr lang="en" sz="1200" i="1">
+                <a:solidFill>
+                  <a:srgbClr val="16191F"/>
+                </a:solidFill>
+                <a:highlight>
+                  <a:srgbClr val="FFFFFF"/>
+                </a:highlight>
+                <a:latin typeface="Arial"/>
+                <a:ea typeface="Arial"/>
+                <a:cs typeface="Arial"/>
+                <a:sym typeface="Arial"/>
+              </a:rPr>
+              <a:t>groups</a:t>
+            </a:r>
+            <a:r>
+              <a:rPr lang="en" sz="1200">
+                <a:solidFill>
+                  <a:srgbClr val="16191F"/>
+                </a:solidFill>
+                <a:highlight>
+                  <a:srgbClr val="FFFFFF"/>
+                </a:highlight>
+                <a:latin typeface="Arial"/>
+                <a:ea typeface="Arial"/>
+                <a:cs typeface="Arial"/>
+                <a:sym typeface="Arial"/>
+              </a:rPr>
+              <a:t> so that they can be treated as a logical unit for the purposes of scaling and management. When you create a group, you can specify its minimum, maximum, and, desired number of EC2 instances</a:t>
+            </a:r>
+            <a:endParaRPr sz="1200">
+              <a:solidFill>
+                <a:srgbClr val="16191F"/>
+              </a:solidFill>
+              <a:highlight>
+                <a:srgbClr val="FFFFFF"/>
+              </a:highlight>
+              <a:latin typeface="Arial"/>
+              <a:ea typeface="Arial"/>
+              <a:cs typeface="Arial"/>
+              <a:sym typeface="Arial"/>
+            </a:endParaRPr>
+          </a:p>
+          <a:p>
+            <a:pPr marL="457200" lvl="0" indent="-304800" algn="l" rtl="0">
+              <a:spcBef>
+                <a:spcPts val="0"/>
+              </a:spcBef>
+              <a:spcAft>
+                <a:spcPts val="0"/>
+              </a:spcAft>
+              <a:buClr>
+                <a:srgbClr val="16191F"/>
+              </a:buClr>
+              <a:buSzPts val="1200"/>
+              <a:buFont typeface="Arial"/>
+              <a:buChar char="●"/>
+            </a:pPr>
+            <a:r>
+              <a:rPr lang="en" sz="1200" b="1">
+                <a:solidFill>
+                  <a:srgbClr val="16191F"/>
+                </a:solidFill>
+                <a:highlight>
+                  <a:srgbClr val="FFFFFF"/>
+                </a:highlight>
+                <a:latin typeface="Arial"/>
+                <a:ea typeface="Arial"/>
+                <a:cs typeface="Arial"/>
+                <a:sym typeface="Arial"/>
+              </a:rPr>
+              <a:t>Configuration templates - </a:t>
+            </a:r>
+            <a:r>
+              <a:rPr lang="en" sz="1200">
+                <a:solidFill>
+                  <a:srgbClr val="16191F"/>
+                </a:solidFill>
+                <a:highlight>
+                  <a:srgbClr val="FFFFFF"/>
+                </a:highlight>
+                <a:latin typeface="Arial"/>
+                <a:ea typeface="Arial"/>
+                <a:cs typeface="Arial"/>
+                <a:sym typeface="Arial"/>
+              </a:rPr>
+              <a:t>Your group uses a </a:t>
+            </a:r>
+            <a:r>
+              <a:rPr lang="en" sz="1200" i="1">
+                <a:solidFill>
+                  <a:srgbClr val="16191F"/>
+                </a:solidFill>
+                <a:highlight>
+                  <a:srgbClr val="FFFFFF"/>
+                </a:highlight>
+                <a:latin typeface="Arial"/>
+                <a:ea typeface="Arial"/>
+                <a:cs typeface="Arial"/>
+                <a:sym typeface="Arial"/>
+              </a:rPr>
+              <a:t>launch template</a:t>
+            </a:r>
+            <a:r>
+              <a:rPr lang="en" sz="1200">
+                <a:solidFill>
+                  <a:srgbClr val="16191F"/>
+                </a:solidFill>
+                <a:highlight>
+                  <a:srgbClr val="FFFFFF"/>
+                </a:highlight>
+                <a:latin typeface="Arial"/>
+                <a:ea typeface="Arial"/>
+                <a:cs typeface="Arial"/>
+                <a:sym typeface="Arial"/>
+              </a:rPr>
+              <a:t>, or a </a:t>
+            </a:r>
+            <a:r>
+              <a:rPr lang="en" sz="1200" i="1">
+                <a:solidFill>
+                  <a:srgbClr val="16191F"/>
+                </a:solidFill>
+                <a:highlight>
+                  <a:srgbClr val="FFFFFF"/>
+                </a:highlight>
+                <a:latin typeface="Arial"/>
+                <a:ea typeface="Arial"/>
+                <a:cs typeface="Arial"/>
+                <a:sym typeface="Arial"/>
+              </a:rPr>
+              <a:t>launch configuration</a:t>
+            </a:r>
+            <a:r>
+              <a:rPr lang="en" sz="1200">
+                <a:solidFill>
+                  <a:srgbClr val="16191F"/>
+                </a:solidFill>
+                <a:highlight>
+                  <a:srgbClr val="FFFFFF"/>
+                </a:highlight>
+                <a:latin typeface="Arial"/>
+                <a:ea typeface="Arial"/>
+                <a:cs typeface="Arial"/>
+                <a:sym typeface="Arial"/>
+              </a:rPr>
+              <a:t> (not recommended, offers fewer features), as a configuration template for its EC2 instances</a:t>
+            </a:r>
+            <a:endParaRPr sz="1200">
+              <a:solidFill>
+                <a:srgbClr val="16191F"/>
+              </a:solidFill>
+              <a:highlight>
+                <a:srgbClr val="FFFFFF"/>
+              </a:highlight>
+              <a:latin typeface="Arial"/>
+              <a:ea typeface="Arial"/>
+              <a:cs typeface="Arial"/>
+              <a:sym typeface="Arial"/>
+            </a:endParaRPr>
+          </a:p>
+          <a:p>
+            <a:pPr marL="457200" lvl="0" indent="-304800" algn="l" rtl="0">
+              <a:spcBef>
+                <a:spcPts val="0"/>
+              </a:spcBef>
+              <a:spcAft>
+                <a:spcPts val="0"/>
+              </a:spcAft>
+              <a:buClr>
+                <a:srgbClr val="16191F"/>
+              </a:buClr>
+              <a:buSzPts val="1200"/>
+              <a:buFont typeface="Arial"/>
+              <a:buChar char="●"/>
+            </a:pPr>
+            <a:r>
+              <a:rPr lang="en" sz="1200" b="1">
+                <a:solidFill>
+                  <a:srgbClr val="16191F"/>
+                </a:solidFill>
+                <a:highlight>
+                  <a:srgbClr val="FFFFFF"/>
+                </a:highlight>
+                <a:latin typeface="Arial"/>
+                <a:ea typeface="Arial"/>
+                <a:cs typeface="Arial"/>
+                <a:sym typeface="Arial"/>
+              </a:rPr>
+              <a:t>Scaling options - </a:t>
+            </a:r>
+            <a:r>
+              <a:rPr lang="en" sz="1200">
+                <a:solidFill>
+                  <a:srgbClr val="16191F"/>
+                </a:solidFill>
+                <a:highlight>
+                  <a:srgbClr val="FFFFFF"/>
+                </a:highlight>
+                <a:latin typeface="Arial"/>
+                <a:ea typeface="Arial"/>
+                <a:cs typeface="Arial"/>
+                <a:sym typeface="Arial"/>
+              </a:rPr>
+              <a:t>Amazon EC2 Auto Scaling provides several ways for you to scale your Auto Scaling groups. For example, you can configure a group to scale based on the occurrence of specified conditions (dynamic scaling) or on a schedule.</a:t>
+            </a:r>
+            <a:endParaRPr sz="1200" b="1">
+              <a:solidFill>
+                <a:srgbClr val="16191F"/>
+              </a:solidFill>
+              <a:highlight>
+                <a:srgbClr val="FFFFFF"/>
+              </a:highlight>
+              <a:latin typeface="Arial"/>
+              <a:ea typeface="Arial"/>
+              <a:cs typeface="Arial"/>
+              <a:sym typeface="Arial"/>
+            </a:endParaRPr>
+          </a:p>
+          <a:p>
+            <a:pPr marL="0" lvl="0" indent="0" algn="l" rtl="0">
+              <a:spcBef>
+                <a:spcPts val="200"/>
+              </a:spcBef>
+              <a:spcAft>
+                <a:spcPts val="1200"/>
+              </a:spcAft>
+              <a:buNone/>
+            </a:pPr>
+            <a:endParaRPr sz="1200"/>
+          </a:p>
+        </p:txBody>
+      </p:sp>
     </p:spTree>
   </p:cSld>
   <p:clrMapOvr>
@@ -16928,401 +17233,6 @@
   <p:cSld>
     <p:spTree>
       <p:nvGrpSpPr>
-        <p:cNvPr id="1" name="Shape 249"/>
-        <p:cNvGrpSpPr/>
-        <p:nvPr/>
-      </p:nvGrpSpPr>
-      <p:grpSpPr>
-        <a:xfrm>
-          <a:off x="0" y="0"/>
-          <a:ext cx="0" cy="0"/>
-          <a:chOff x="0" y="0"/>
-          <a:chExt cx="0" cy="0"/>
-        </a:xfrm>
-      </p:grpSpPr>
-      <p:sp>
-        <p:nvSpPr>
-          <p:cNvPr id="250" name="Google Shape;250;p41"/>
-          <p:cNvSpPr txBox="1">
-            <a:spLocks noGrp="1"/>
-          </p:cNvSpPr>
-          <p:nvPr>
-            <p:ph type="title"/>
-          </p:nvPr>
-        </p:nvSpPr>
-        <p:spPr>
-          <a:xfrm>
-            <a:off x="311700" y="445025"/>
-            <a:ext cx="8520600" cy="572700"/>
-          </a:xfrm>
-          <a:prstGeom prst="rect">
-            <a:avLst/>
-          </a:prstGeom>
-        </p:spPr>
-        <p:txBody>
-          <a:bodyPr spcFirstLastPara="1" wrap="square" lIns="91425" tIns="91425" rIns="91425" bIns="91425" anchor="t" anchorCtr="0">
-            <a:normAutofit fontScale="90000"/>
-          </a:bodyPr>
-          <a:lstStyle/>
-          <a:p>
-            <a:pPr marL="0" lvl="0" indent="0" algn="l" rtl="0">
-              <a:spcBef>
-                <a:spcPts val="0"/>
-              </a:spcBef>
-              <a:spcAft>
-                <a:spcPts val="0"/>
-              </a:spcAft>
-              <a:buNone/>
-            </a:pPr>
-            <a:r>
-              <a:rPr lang="en"/>
-              <a:t>Auto scaling group Components</a:t>
-            </a:r>
-            <a:endParaRPr/>
-          </a:p>
-        </p:txBody>
-      </p:sp>
-      <p:sp>
-        <p:nvSpPr>
-          <p:cNvPr id="251" name="Google Shape;251;p41"/>
-          <p:cNvSpPr txBox="1">
-            <a:spLocks noGrp="1"/>
-          </p:cNvSpPr>
-          <p:nvPr>
-            <p:ph type="body" idx="1"/>
-          </p:nvPr>
-        </p:nvSpPr>
-        <p:spPr>
-          <a:xfrm>
-            <a:off x="311700" y="1152475"/>
-            <a:ext cx="8520600" cy="3416400"/>
-          </a:xfrm>
-          <a:prstGeom prst="rect">
-            <a:avLst/>
-          </a:prstGeom>
-        </p:spPr>
-        <p:txBody>
-          <a:bodyPr spcFirstLastPara="1" wrap="square" lIns="91425" tIns="91425" rIns="91425" bIns="91425" anchor="t" anchorCtr="0">
-            <a:normAutofit/>
-          </a:bodyPr>
-          <a:lstStyle/>
-          <a:p>
-            <a:pPr marL="0" lvl="0" indent="0" algn="l" rtl="0">
-              <a:lnSpc>
-                <a:spcPct val="122600"/>
-              </a:lnSpc>
-              <a:spcBef>
-                <a:spcPts val="2800"/>
-              </a:spcBef>
-              <a:spcAft>
-                <a:spcPts val="0"/>
-              </a:spcAft>
-              <a:buNone/>
-            </a:pPr>
-            <a:endParaRPr sz="1200" b="1">
-              <a:solidFill>
-                <a:srgbClr val="16191F"/>
-              </a:solidFill>
-              <a:highlight>
-                <a:srgbClr val="FFFFFF"/>
-              </a:highlight>
-              <a:latin typeface="Arial"/>
-              <a:ea typeface="Arial"/>
-              <a:cs typeface="Arial"/>
-              <a:sym typeface="Arial"/>
-            </a:endParaRPr>
-          </a:p>
-          <a:p>
-            <a:pPr marL="457200" lvl="0" indent="-304800" algn="l" rtl="0">
-              <a:spcBef>
-                <a:spcPts val="2100"/>
-              </a:spcBef>
-              <a:spcAft>
-                <a:spcPts val="0"/>
-              </a:spcAft>
-              <a:buClr>
-                <a:srgbClr val="16191F"/>
-              </a:buClr>
-              <a:buSzPts val="1200"/>
-              <a:buFont typeface="Arial"/>
-              <a:buChar char="●"/>
-            </a:pPr>
-            <a:r>
-              <a:rPr lang="en" sz="1200" b="1">
-                <a:solidFill>
-                  <a:srgbClr val="16191F"/>
-                </a:solidFill>
-                <a:highlight>
-                  <a:srgbClr val="FFFFFF"/>
-                </a:highlight>
-                <a:latin typeface="Arial"/>
-                <a:ea typeface="Arial"/>
-                <a:cs typeface="Arial"/>
-                <a:sym typeface="Arial"/>
-              </a:rPr>
-              <a:t>Groups - </a:t>
-            </a:r>
-            <a:r>
-              <a:rPr lang="en" sz="1200">
-                <a:solidFill>
-                  <a:srgbClr val="16191F"/>
-                </a:solidFill>
-                <a:highlight>
-                  <a:srgbClr val="FFFFFF"/>
-                </a:highlight>
-                <a:latin typeface="Arial"/>
-                <a:ea typeface="Arial"/>
-                <a:cs typeface="Arial"/>
-                <a:sym typeface="Arial"/>
-              </a:rPr>
-              <a:t>Your EC2 instances are organized into </a:t>
-            </a:r>
-            <a:r>
-              <a:rPr lang="en" sz="1200" i="1">
-                <a:solidFill>
-                  <a:srgbClr val="16191F"/>
-                </a:solidFill>
-                <a:highlight>
-                  <a:srgbClr val="FFFFFF"/>
-                </a:highlight>
-                <a:latin typeface="Arial"/>
-                <a:ea typeface="Arial"/>
-                <a:cs typeface="Arial"/>
-                <a:sym typeface="Arial"/>
-              </a:rPr>
-              <a:t>groups</a:t>
-            </a:r>
-            <a:r>
-              <a:rPr lang="en" sz="1200">
-                <a:solidFill>
-                  <a:srgbClr val="16191F"/>
-                </a:solidFill>
-                <a:highlight>
-                  <a:srgbClr val="FFFFFF"/>
-                </a:highlight>
-                <a:latin typeface="Arial"/>
-                <a:ea typeface="Arial"/>
-                <a:cs typeface="Arial"/>
-                <a:sym typeface="Arial"/>
-              </a:rPr>
-              <a:t> so that they can be treated as a logical unit for the purposes of scaling and management. When you create a group, you can specify its minimum, maximum, and, desired number of EC2 instances</a:t>
-            </a:r>
-            <a:endParaRPr sz="1200">
-              <a:solidFill>
-                <a:srgbClr val="16191F"/>
-              </a:solidFill>
-              <a:highlight>
-                <a:srgbClr val="FFFFFF"/>
-              </a:highlight>
-              <a:latin typeface="Arial"/>
-              <a:ea typeface="Arial"/>
-              <a:cs typeface="Arial"/>
-              <a:sym typeface="Arial"/>
-            </a:endParaRPr>
-          </a:p>
-          <a:p>
-            <a:pPr marL="457200" lvl="0" indent="-304800" algn="l" rtl="0">
-              <a:spcBef>
-                <a:spcPts val="0"/>
-              </a:spcBef>
-              <a:spcAft>
-                <a:spcPts val="0"/>
-              </a:spcAft>
-              <a:buClr>
-                <a:srgbClr val="16191F"/>
-              </a:buClr>
-              <a:buSzPts val="1200"/>
-              <a:buFont typeface="Arial"/>
-              <a:buChar char="●"/>
-            </a:pPr>
-            <a:r>
-              <a:rPr lang="en" sz="1200" b="1">
-                <a:solidFill>
-                  <a:srgbClr val="16191F"/>
-                </a:solidFill>
-                <a:highlight>
-                  <a:srgbClr val="FFFFFF"/>
-                </a:highlight>
-                <a:latin typeface="Arial"/>
-                <a:ea typeface="Arial"/>
-                <a:cs typeface="Arial"/>
-                <a:sym typeface="Arial"/>
-              </a:rPr>
-              <a:t>Configuration templates - </a:t>
-            </a:r>
-            <a:r>
-              <a:rPr lang="en" sz="1200">
-                <a:solidFill>
-                  <a:srgbClr val="16191F"/>
-                </a:solidFill>
-                <a:highlight>
-                  <a:srgbClr val="FFFFFF"/>
-                </a:highlight>
-                <a:latin typeface="Arial"/>
-                <a:ea typeface="Arial"/>
-                <a:cs typeface="Arial"/>
-                <a:sym typeface="Arial"/>
-              </a:rPr>
-              <a:t>Your group uses a </a:t>
-            </a:r>
-            <a:r>
-              <a:rPr lang="en" sz="1200" i="1">
-                <a:solidFill>
-                  <a:srgbClr val="16191F"/>
-                </a:solidFill>
-                <a:highlight>
-                  <a:srgbClr val="FFFFFF"/>
-                </a:highlight>
-                <a:latin typeface="Arial"/>
-                <a:ea typeface="Arial"/>
-                <a:cs typeface="Arial"/>
-                <a:sym typeface="Arial"/>
-              </a:rPr>
-              <a:t>launch template</a:t>
-            </a:r>
-            <a:r>
-              <a:rPr lang="en" sz="1200">
-                <a:solidFill>
-                  <a:srgbClr val="16191F"/>
-                </a:solidFill>
-                <a:highlight>
-                  <a:srgbClr val="FFFFFF"/>
-                </a:highlight>
-                <a:latin typeface="Arial"/>
-                <a:ea typeface="Arial"/>
-                <a:cs typeface="Arial"/>
-                <a:sym typeface="Arial"/>
-              </a:rPr>
-              <a:t>, or a </a:t>
-            </a:r>
-            <a:r>
-              <a:rPr lang="en" sz="1200" i="1">
-                <a:solidFill>
-                  <a:srgbClr val="16191F"/>
-                </a:solidFill>
-                <a:highlight>
-                  <a:srgbClr val="FFFFFF"/>
-                </a:highlight>
-                <a:latin typeface="Arial"/>
-                <a:ea typeface="Arial"/>
-                <a:cs typeface="Arial"/>
-                <a:sym typeface="Arial"/>
-              </a:rPr>
-              <a:t>launch configuration</a:t>
-            </a:r>
-            <a:r>
-              <a:rPr lang="en" sz="1200">
-                <a:solidFill>
-                  <a:srgbClr val="16191F"/>
-                </a:solidFill>
-                <a:highlight>
-                  <a:srgbClr val="FFFFFF"/>
-                </a:highlight>
-                <a:latin typeface="Arial"/>
-                <a:ea typeface="Arial"/>
-                <a:cs typeface="Arial"/>
-                <a:sym typeface="Arial"/>
-              </a:rPr>
-              <a:t> (not recommended, offers fewer features), as a configuration template for its EC2 instances</a:t>
-            </a:r>
-            <a:endParaRPr sz="1200">
-              <a:solidFill>
-                <a:srgbClr val="16191F"/>
-              </a:solidFill>
-              <a:highlight>
-                <a:srgbClr val="FFFFFF"/>
-              </a:highlight>
-              <a:latin typeface="Arial"/>
-              <a:ea typeface="Arial"/>
-              <a:cs typeface="Arial"/>
-              <a:sym typeface="Arial"/>
-            </a:endParaRPr>
-          </a:p>
-          <a:p>
-            <a:pPr marL="457200" lvl="0" indent="-304800" algn="l" rtl="0">
-              <a:spcBef>
-                <a:spcPts val="0"/>
-              </a:spcBef>
-              <a:spcAft>
-                <a:spcPts val="0"/>
-              </a:spcAft>
-              <a:buClr>
-                <a:srgbClr val="16191F"/>
-              </a:buClr>
-              <a:buSzPts val="1200"/>
-              <a:buFont typeface="Arial"/>
-              <a:buChar char="●"/>
-            </a:pPr>
-            <a:r>
-              <a:rPr lang="en" sz="1200" b="1">
-                <a:solidFill>
-                  <a:srgbClr val="16191F"/>
-                </a:solidFill>
-                <a:highlight>
-                  <a:srgbClr val="FFFFFF"/>
-                </a:highlight>
-                <a:latin typeface="Arial"/>
-                <a:ea typeface="Arial"/>
-                <a:cs typeface="Arial"/>
-                <a:sym typeface="Arial"/>
-              </a:rPr>
-              <a:t>Scaling options - </a:t>
-            </a:r>
-            <a:r>
-              <a:rPr lang="en" sz="1200">
-                <a:solidFill>
-                  <a:srgbClr val="16191F"/>
-                </a:solidFill>
-                <a:highlight>
-                  <a:srgbClr val="FFFFFF"/>
-                </a:highlight>
-                <a:latin typeface="Arial"/>
-                <a:ea typeface="Arial"/>
-                <a:cs typeface="Arial"/>
-                <a:sym typeface="Arial"/>
-              </a:rPr>
-              <a:t>Amazon EC2 Auto Scaling provides several ways for you to scale your Auto Scaling groups. For example, you can configure a group to scale based on the occurrence of specified conditions (dynamic scaling) or on a schedule.</a:t>
-            </a:r>
-            <a:endParaRPr sz="1200" b="1">
-              <a:solidFill>
-                <a:srgbClr val="16191F"/>
-              </a:solidFill>
-              <a:highlight>
-                <a:srgbClr val="FFFFFF"/>
-              </a:highlight>
-              <a:latin typeface="Arial"/>
-              <a:ea typeface="Arial"/>
-              <a:cs typeface="Arial"/>
-              <a:sym typeface="Arial"/>
-            </a:endParaRPr>
-          </a:p>
-          <a:p>
-            <a:pPr marL="0" lvl="0" indent="0" algn="l" rtl="0">
-              <a:spcBef>
-                <a:spcPts val="200"/>
-              </a:spcBef>
-              <a:spcAft>
-                <a:spcPts val="1200"/>
-              </a:spcAft>
-              <a:buNone/>
-            </a:pPr>
-            <a:endParaRPr sz="1200"/>
-          </a:p>
-        </p:txBody>
-      </p:sp>
-    </p:spTree>
-  </p:cSld>
-  <p:clrMapOvr>
-    <a:masterClrMapping/>
-  </p:clrMapOvr>
-</p:sld>
-</file>
-
-<file path=ppt/slides/slide31.xml><?xml version="1.0" encoding="utf-8"?>
-<p:sld xmlns:a="http://schemas.openxmlformats.org/drawingml/2006/main" xmlns:r="http://schemas.openxmlformats.org/officeDocument/2006/relationships" xmlns:p="http://schemas.openxmlformats.org/presentationml/2006/main">
-  <p:cSld>
-    <p:spTree>
-      <p:nvGrpSpPr>
         <p:cNvPr id="1" name="Shape 255"/>
         <p:cNvGrpSpPr/>
         <p:nvPr/>
@@ -17413,7 +17323,7 @@
 </p:sld>
 </file>
 
-<file path=ppt/slides/slide32.xml><?xml version="1.0" encoding="utf-8"?>
+<file path=ppt/slides/slide31.xml><?xml version="1.0" encoding="utf-8"?>
 <p:sld xmlns:a="http://schemas.openxmlformats.org/drawingml/2006/main" xmlns:r="http://schemas.openxmlformats.org/officeDocument/2006/relationships" xmlns:p="http://schemas.openxmlformats.org/presentationml/2006/main">
   <p:cSld>
     <p:spTree>
@@ -17508,7 +17418,7 @@
 </p:sld>
 </file>
 
-<file path=ppt/slides/slide33.xml><?xml version="1.0" encoding="utf-8"?>
+<file path=ppt/slides/slide32.xml><?xml version="1.0" encoding="utf-8"?>
 <p:sld xmlns:a="http://schemas.openxmlformats.org/drawingml/2006/main" xmlns:r="http://schemas.openxmlformats.org/officeDocument/2006/relationships" xmlns:p="http://schemas.openxmlformats.org/presentationml/2006/main">
   <p:cSld>
     <p:spTree>
@@ -17836,7 +17746,7 @@
 </p:sld>
 </file>
 
-<file path=ppt/slides/slide34.xml><?xml version="1.0" encoding="utf-8"?>
+<file path=ppt/slides/slide33.xml><?xml version="1.0" encoding="utf-8"?>
 <p:sld xmlns:a="http://schemas.openxmlformats.org/drawingml/2006/main" xmlns:r="http://schemas.openxmlformats.org/officeDocument/2006/relationships" xmlns:p="http://schemas.openxmlformats.org/presentationml/2006/main">
   <p:cSld>
     <p:spTree>
@@ -18090,7 +18000,7 @@
 </p:sld>
 </file>
 
-<file path=ppt/slides/slide35.xml><?xml version="1.0" encoding="utf-8"?>
+<file path=ppt/slides/slide34.xml><?xml version="1.0" encoding="utf-8"?>
 <p:sld xmlns:a="http://schemas.openxmlformats.org/drawingml/2006/main" xmlns:r="http://schemas.openxmlformats.org/officeDocument/2006/relationships" xmlns:p="http://schemas.openxmlformats.org/presentationml/2006/main">
   <p:cSld>
     <p:spTree>
@@ -18157,7 +18067,7 @@
 </p:sld>
 </file>
 
-<file path=ppt/slides/slide36.xml><?xml version="1.0" encoding="utf-8"?>
+<file path=ppt/slides/slide35.xml><?xml version="1.0" encoding="utf-8"?>
 <p:sld xmlns:a="http://schemas.openxmlformats.org/drawingml/2006/main" xmlns:r="http://schemas.openxmlformats.org/officeDocument/2006/relationships" xmlns:p="http://schemas.openxmlformats.org/presentationml/2006/main">
   <p:cSld>
     <p:spTree>
@@ -18413,7 +18323,7 @@
 </p:sld>
 </file>
 
-<file path=ppt/slides/slide37.xml><?xml version="1.0" encoding="utf-8"?>
+<file path=ppt/slides/slide36.xml><?xml version="1.0" encoding="utf-8"?>
 <p:sld xmlns:a="http://schemas.openxmlformats.org/drawingml/2006/main" xmlns:r="http://schemas.openxmlformats.org/officeDocument/2006/relationships" xmlns:p="http://schemas.openxmlformats.org/presentationml/2006/main">
   <p:cSld>
     <p:spTree>
@@ -18640,7 +18550,7 @@
 </p:sld>
 </file>
 
-<file path=ppt/slides/slide38.xml><?xml version="1.0" encoding="utf-8"?>
+<file path=ppt/slides/slide37.xml><?xml version="1.0" encoding="utf-8"?>
 <p:sld xmlns:a="http://schemas.openxmlformats.org/drawingml/2006/main" xmlns:r="http://schemas.openxmlformats.org/officeDocument/2006/relationships" xmlns:p="http://schemas.openxmlformats.org/presentationml/2006/main">
   <p:cSld>
     <p:spTree>
@@ -18901,7 +18811,7 @@
 </p:sld>
 </file>
 
-<file path=ppt/slides/slide39.xml><?xml version="1.0" encoding="utf-8"?>
+<file path=ppt/slides/slide38.xml><?xml version="1.0" encoding="utf-8"?>
 <p:sld xmlns:a="http://schemas.openxmlformats.org/drawingml/2006/main" xmlns:r="http://schemas.openxmlformats.org/officeDocument/2006/relationships" xmlns:p="http://schemas.openxmlformats.org/presentationml/2006/main">
   <p:cSld>
     <p:spTree>
@@ -18988,6 +18898,255 @@
           </a:ln>
         </p:spPr>
       </p:pic>
+    </p:spTree>
+  </p:cSld>
+  <p:clrMapOvr>
+    <a:masterClrMapping/>
+  </p:clrMapOvr>
+</p:sld>
+</file>
+
+<file path=ppt/slides/slide39.xml><?xml version="1.0" encoding="utf-8"?>
+<p:sld xmlns:a="http://schemas.openxmlformats.org/drawingml/2006/main" xmlns:r="http://schemas.openxmlformats.org/officeDocument/2006/relationships" xmlns:p="http://schemas.openxmlformats.org/presentationml/2006/main">
+  <p:cSld>
+    <p:spTree>
+      <p:nvGrpSpPr>
+        <p:cNvPr id="1" name="Shape 310"/>
+        <p:cNvGrpSpPr/>
+        <p:nvPr/>
+      </p:nvGrpSpPr>
+      <p:grpSpPr>
+        <a:xfrm>
+          <a:off x="0" y="0"/>
+          <a:ext cx="0" cy="0"/>
+          <a:chOff x="0" y="0"/>
+          <a:chExt cx="0" cy="0"/>
+        </a:xfrm>
+      </p:grpSpPr>
+      <p:sp>
+        <p:nvSpPr>
+          <p:cNvPr id="311" name="Google Shape;311;p51"/>
+          <p:cNvSpPr txBox="1">
+            <a:spLocks noGrp="1"/>
+          </p:cNvSpPr>
+          <p:nvPr>
+            <p:ph type="title"/>
+          </p:nvPr>
+        </p:nvSpPr>
+        <p:spPr>
+          <a:xfrm>
+            <a:off x="311700" y="445025"/>
+            <a:ext cx="8520600" cy="572700"/>
+          </a:xfrm>
+          <a:prstGeom prst="rect">
+            <a:avLst/>
+          </a:prstGeom>
+        </p:spPr>
+        <p:txBody>
+          <a:bodyPr spcFirstLastPara="1" wrap="square" lIns="91425" tIns="91425" rIns="91425" bIns="91425" anchor="t" anchorCtr="0">
+            <a:normAutofit fontScale="90000"/>
+          </a:bodyPr>
+          <a:lstStyle/>
+          <a:p>
+            <a:pPr marL="0" lvl="0" indent="0" algn="l" rtl="0">
+              <a:spcBef>
+                <a:spcPts val="0"/>
+              </a:spcBef>
+              <a:spcAft>
+                <a:spcPts val="0"/>
+              </a:spcAft>
+              <a:buNone/>
+            </a:pPr>
+            <a:r>
+              <a:rPr lang="en"/>
+              <a:t>Placement Group. Good to know</a:t>
+            </a:r>
+            <a:endParaRPr/>
+          </a:p>
+        </p:txBody>
+      </p:sp>
+      <p:sp>
+        <p:nvSpPr>
+          <p:cNvPr id="312" name="Google Shape;312;p51"/>
+          <p:cNvSpPr txBox="1">
+            <a:spLocks noGrp="1"/>
+          </p:cNvSpPr>
+          <p:nvPr>
+            <p:ph type="body" idx="1"/>
+          </p:nvPr>
+        </p:nvSpPr>
+        <p:spPr>
+          <a:xfrm>
+            <a:off x="311700" y="1152475"/>
+            <a:ext cx="8520600" cy="3416400"/>
+          </a:xfrm>
+          <a:prstGeom prst="rect">
+            <a:avLst/>
+          </a:prstGeom>
+        </p:spPr>
+        <p:txBody>
+          <a:bodyPr spcFirstLastPara="1" wrap="square" lIns="91425" tIns="91425" rIns="91425" bIns="91425" anchor="t" anchorCtr="0">
+            <a:normAutofit/>
+          </a:bodyPr>
+          <a:lstStyle/>
+          <a:p>
+            <a:pPr marL="457200" lvl="0" indent="-304800" algn="l" rtl="0">
+              <a:spcBef>
+                <a:spcPts val="0"/>
+              </a:spcBef>
+              <a:spcAft>
+                <a:spcPts val="0"/>
+              </a:spcAft>
+              <a:buSzPts val="1200"/>
+              <a:buChar char="●"/>
+            </a:pPr>
+            <a:r>
+              <a:rPr lang="en" sz="1200"/>
+              <a:t>Recommended for applications that benefit from low latency and high bandwidth.</a:t>
+            </a:r>
+            <a:endParaRPr sz="1200"/>
+          </a:p>
+          <a:p>
+            <a:pPr marL="457200" lvl="0" indent="-304800" algn="l" rtl="0">
+              <a:spcBef>
+                <a:spcPts val="0"/>
+              </a:spcBef>
+              <a:spcAft>
+                <a:spcPts val="0"/>
+              </a:spcAft>
+              <a:buSzPts val="1200"/>
+              <a:buChar char="●"/>
+            </a:pPr>
+            <a:r>
+              <a:rPr lang="en" sz="1200"/>
+              <a:t>Recommended to use an instance type that supports </a:t>
+            </a:r>
+            <a:r>
+              <a:rPr lang="en" sz="1200" b="1"/>
+              <a:t>enhanced networking</a:t>
+            </a:r>
+            <a:r>
+              <a:rPr lang="en" sz="1200"/>
+              <a:t>.</a:t>
+            </a:r>
+            <a:endParaRPr sz="1200"/>
+          </a:p>
+          <a:p>
+            <a:pPr marL="457200" lvl="0" indent="-304800" algn="l" rtl="0">
+              <a:spcBef>
+                <a:spcPts val="0"/>
+              </a:spcBef>
+              <a:spcAft>
+                <a:spcPts val="0"/>
+              </a:spcAft>
+              <a:buSzPts val="1200"/>
+              <a:buChar char="●"/>
+            </a:pPr>
+            <a:r>
+              <a:rPr lang="en" sz="1200"/>
+              <a:t>Best performance is achieved when using private IP addresses.</a:t>
+            </a:r>
+            <a:endParaRPr sz="1200"/>
+          </a:p>
+          <a:p>
+            <a:pPr marL="457200" lvl="0" indent="-304800" algn="l" rtl="0">
+              <a:spcBef>
+                <a:spcPts val="0"/>
+              </a:spcBef>
+              <a:spcAft>
+                <a:spcPts val="0"/>
+              </a:spcAft>
+              <a:buSzPts val="1200"/>
+              <a:buChar char="●"/>
+            </a:pPr>
+            <a:r>
+              <a:rPr lang="en" sz="1200"/>
+              <a:t>Using public IP addresses the performance is limited to 5Gbps or less.</a:t>
+            </a:r>
+            <a:endParaRPr sz="1200"/>
+          </a:p>
+          <a:p>
+            <a:pPr marL="457200" lvl="0" indent="-304800" algn="l" rtl="0">
+              <a:spcBef>
+                <a:spcPts val="0"/>
+              </a:spcBef>
+              <a:spcAft>
+                <a:spcPts val="0"/>
+              </a:spcAft>
+              <a:buSzPts val="1200"/>
+              <a:buChar char="●"/>
+            </a:pPr>
+            <a:r>
+              <a:rPr lang="en" sz="1200"/>
+              <a:t>Low-latency 10 Gbps or 25 Gbps network.</a:t>
+            </a:r>
+            <a:endParaRPr sz="1200"/>
+          </a:p>
+          <a:p>
+            <a:pPr marL="457200" lvl="0" indent="-304800" algn="l" rtl="0">
+              <a:spcBef>
+                <a:spcPts val="0"/>
+              </a:spcBef>
+              <a:spcAft>
+                <a:spcPts val="0"/>
+              </a:spcAft>
+              <a:buSzPts val="1200"/>
+              <a:buChar char="●"/>
+            </a:pPr>
+            <a:r>
+              <a:rPr lang="en" sz="1200"/>
+              <a:t>The name you specify for a placement group must be unique within your AWS account for the Region.</a:t>
+            </a:r>
+            <a:endParaRPr sz="1200"/>
+          </a:p>
+          <a:p>
+            <a:pPr marL="457200" lvl="0" indent="-304800" algn="l" rtl="0">
+              <a:spcBef>
+                <a:spcPts val="0"/>
+              </a:spcBef>
+              <a:spcAft>
+                <a:spcPts val="0"/>
+              </a:spcAft>
+              <a:buSzPts val="1200"/>
+              <a:buChar char="●"/>
+            </a:pPr>
+            <a:r>
+              <a:rPr lang="en" sz="1200"/>
+              <a:t>An instance can be launched in one placement group at a time; it cannot span multiple placement groups.</a:t>
+            </a:r>
+            <a:endParaRPr sz="1200"/>
+          </a:p>
+          <a:p>
+            <a:pPr marL="457200" lvl="0" indent="-304800" algn="l" rtl="0">
+              <a:spcBef>
+                <a:spcPts val="0"/>
+              </a:spcBef>
+              <a:spcAft>
+                <a:spcPts val="0"/>
+              </a:spcAft>
+              <a:buSzPts val="1200"/>
+              <a:buChar char="●"/>
+            </a:pPr>
+            <a:r>
+              <a:rPr lang="en" sz="1200"/>
+              <a:t>Instances with a tenancy of host cannot be launched in placement groups.</a:t>
+            </a:r>
+            <a:endParaRPr sz="1200"/>
+          </a:p>
+          <a:p>
+            <a:pPr marL="0" lvl="0" indent="0" algn="l" rtl="0">
+              <a:spcBef>
+                <a:spcPts val="1200"/>
+              </a:spcBef>
+              <a:spcAft>
+                <a:spcPts val="1200"/>
+              </a:spcAft>
+              <a:buNone/>
+            </a:pPr>
+            <a:endParaRPr sz="1200"/>
+          </a:p>
+        </p:txBody>
+      </p:sp>
     </p:spTree>
   </p:cSld>
   <p:clrMapOvr>
@@ -19285,255 +19444,6 @@
   <p:cSld>
     <p:spTree>
       <p:nvGrpSpPr>
-        <p:cNvPr id="1" name="Shape 310"/>
-        <p:cNvGrpSpPr/>
-        <p:nvPr/>
-      </p:nvGrpSpPr>
-      <p:grpSpPr>
-        <a:xfrm>
-          <a:off x="0" y="0"/>
-          <a:ext cx="0" cy="0"/>
-          <a:chOff x="0" y="0"/>
-          <a:chExt cx="0" cy="0"/>
-        </a:xfrm>
-      </p:grpSpPr>
-      <p:sp>
-        <p:nvSpPr>
-          <p:cNvPr id="311" name="Google Shape;311;p51"/>
-          <p:cNvSpPr txBox="1">
-            <a:spLocks noGrp="1"/>
-          </p:cNvSpPr>
-          <p:nvPr>
-            <p:ph type="title"/>
-          </p:nvPr>
-        </p:nvSpPr>
-        <p:spPr>
-          <a:xfrm>
-            <a:off x="311700" y="445025"/>
-            <a:ext cx="8520600" cy="572700"/>
-          </a:xfrm>
-          <a:prstGeom prst="rect">
-            <a:avLst/>
-          </a:prstGeom>
-        </p:spPr>
-        <p:txBody>
-          <a:bodyPr spcFirstLastPara="1" wrap="square" lIns="91425" tIns="91425" rIns="91425" bIns="91425" anchor="t" anchorCtr="0">
-            <a:normAutofit fontScale="90000"/>
-          </a:bodyPr>
-          <a:lstStyle/>
-          <a:p>
-            <a:pPr marL="0" lvl="0" indent="0" algn="l" rtl="0">
-              <a:spcBef>
-                <a:spcPts val="0"/>
-              </a:spcBef>
-              <a:spcAft>
-                <a:spcPts val="0"/>
-              </a:spcAft>
-              <a:buNone/>
-            </a:pPr>
-            <a:r>
-              <a:rPr lang="en"/>
-              <a:t>Placement Group. Good to know</a:t>
-            </a:r>
-            <a:endParaRPr/>
-          </a:p>
-        </p:txBody>
-      </p:sp>
-      <p:sp>
-        <p:nvSpPr>
-          <p:cNvPr id="312" name="Google Shape;312;p51"/>
-          <p:cNvSpPr txBox="1">
-            <a:spLocks noGrp="1"/>
-          </p:cNvSpPr>
-          <p:nvPr>
-            <p:ph type="body" idx="1"/>
-          </p:nvPr>
-        </p:nvSpPr>
-        <p:spPr>
-          <a:xfrm>
-            <a:off x="311700" y="1152475"/>
-            <a:ext cx="8520600" cy="3416400"/>
-          </a:xfrm>
-          <a:prstGeom prst="rect">
-            <a:avLst/>
-          </a:prstGeom>
-        </p:spPr>
-        <p:txBody>
-          <a:bodyPr spcFirstLastPara="1" wrap="square" lIns="91425" tIns="91425" rIns="91425" bIns="91425" anchor="t" anchorCtr="0">
-            <a:normAutofit/>
-          </a:bodyPr>
-          <a:lstStyle/>
-          <a:p>
-            <a:pPr marL="457200" lvl="0" indent="-304800" algn="l" rtl="0">
-              <a:spcBef>
-                <a:spcPts val="0"/>
-              </a:spcBef>
-              <a:spcAft>
-                <a:spcPts val="0"/>
-              </a:spcAft>
-              <a:buSzPts val="1200"/>
-              <a:buChar char="●"/>
-            </a:pPr>
-            <a:r>
-              <a:rPr lang="en" sz="1200"/>
-              <a:t>Recommended for applications that benefit from low latency and high bandwidth.</a:t>
-            </a:r>
-            <a:endParaRPr sz="1200"/>
-          </a:p>
-          <a:p>
-            <a:pPr marL="457200" lvl="0" indent="-304800" algn="l" rtl="0">
-              <a:spcBef>
-                <a:spcPts val="0"/>
-              </a:spcBef>
-              <a:spcAft>
-                <a:spcPts val="0"/>
-              </a:spcAft>
-              <a:buSzPts val="1200"/>
-              <a:buChar char="●"/>
-            </a:pPr>
-            <a:r>
-              <a:rPr lang="en" sz="1200"/>
-              <a:t>Recommended to use an instance type that supports </a:t>
-            </a:r>
-            <a:r>
-              <a:rPr lang="en" sz="1200" b="1"/>
-              <a:t>enhanced networking</a:t>
-            </a:r>
-            <a:r>
-              <a:rPr lang="en" sz="1200"/>
-              <a:t>.</a:t>
-            </a:r>
-            <a:endParaRPr sz="1200"/>
-          </a:p>
-          <a:p>
-            <a:pPr marL="457200" lvl="0" indent="-304800" algn="l" rtl="0">
-              <a:spcBef>
-                <a:spcPts val="0"/>
-              </a:spcBef>
-              <a:spcAft>
-                <a:spcPts val="0"/>
-              </a:spcAft>
-              <a:buSzPts val="1200"/>
-              <a:buChar char="●"/>
-            </a:pPr>
-            <a:r>
-              <a:rPr lang="en" sz="1200"/>
-              <a:t>Best performance is achieved when using private IP addresses.</a:t>
-            </a:r>
-            <a:endParaRPr sz="1200"/>
-          </a:p>
-          <a:p>
-            <a:pPr marL="457200" lvl="0" indent="-304800" algn="l" rtl="0">
-              <a:spcBef>
-                <a:spcPts val="0"/>
-              </a:spcBef>
-              <a:spcAft>
-                <a:spcPts val="0"/>
-              </a:spcAft>
-              <a:buSzPts val="1200"/>
-              <a:buChar char="●"/>
-            </a:pPr>
-            <a:r>
-              <a:rPr lang="en" sz="1200"/>
-              <a:t>Using public IP addresses the performance is limited to 5Gbps or less.</a:t>
-            </a:r>
-            <a:endParaRPr sz="1200"/>
-          </a:p>
-          <a:p>
-            <a:pPr marL="457200" lvl="0" indent="-304800" algn="l" rtl="0">
-              <a:spcBef>
-                <a:spcPts val="0"/>
-              </a:spcBef>
-              <a:spcAft>
-                <a:spcPts val="0"/>
-              </a:spcAft>
-              <a:buSzPts val="1200"/>
-              <a:buChar char="●"/>
-            </a:pPr>
-            <a:r>
-              <a:rPr lang="en" sz="1200"/>
-              <a:t>Low-latency 10 Gbps or 25 Gbps network.</a:t>
-            </a:r>
-            <a:endParaRPr sz="1200"/>
-          </a:p>
-          <a:p>
-            <a:pPr marL="457200" lvl="0" indent="-304800" algn="l" rtl="0">
-              <a:spcBef>
-                <a:spcPts val="0"/>
-              </a:spcBef>
-              <a:spcAft>
-                <a:spcPts val="0"/>
-              </a:spcAft>
-              <a:buSzPts val="1200"/>
-              <a:buChar char="●"/>
-            </a:pPr>
-            <a:r>
-              <a:rPr lang="en" sz="1200"/>
-              <a:t>The name you specify for a placement group must be unique within your AWS account for the Region.</a:t>
-            </a:r>
-            <a:endParaRPr sz="1200"/>
-          </a:p>
-          <a:p>
-            <a:pPr marL="457200" lvl="0" indent="-304800" algn="l" rtl="0">
-              <a:spcBef>
-                <a:spcPts val="0"/>
-              </a:spcBef>
-              <a:spcAft>
-                <a:spcPts val="0"/>
-              </a:spcAft>
-              <a:buSzPts val="1200"/>
-              <a:buChar char="●"/>
-            </a:pPr>
-            <a:r>
-              <a:rPr lang="en" sz="1200"/>
-              <a:t>An instance can be launched in one placement group at a time; it cannot span multiple placement groups.</a:t>
-            </a:r>
-            <a:endParaRPr sz="1200"/>
-          </a:p>
-          <a:p>
-            <a:pPr marL="457200" lvl="0" indent="-304800" algn="l" rtl="0">
-              <a:spcBef>
-                <a:spcPts val="0"/>
-              </a:spcBef>
-              <a:spcAft>
-                <a:spcPts val="0"/>
-              </a:spcAft>
-              <a:buSzPts val="1200"/>
-              <a:buChar char="●"/>
-            </a:pPr>
-            <a:r>
-              <a:rPr lang="en" sz="1200"/>
-              <a:t>Instances with a tenancy of host cannot be launched in placement groups.</a:t>
-            </a:r>
-            <a:endParaRPr sz="1200"/>
-          </a:p>
-          <a:p>
-            <a:pPr marL="0" lvl="0" indent="0" algn="l" rtl="0">
-              <a:spcBef>
-                <a:spcPts val="1200"/>
-              </a:spcBef>
-              <a:spcAft>
-                <a:spcPts val="1200"/>
-              </a:spcAft>
-              <a:buNone/>
-            </a:pPr>
-            <a:endParaRPr sz="1200"/>
-          </a:p>
-        </p:txBody>
-      </p:sp>
-    </p:spTree>
-  </p:cSld>
-  <p:clrMapOvr>
-    <a:masterClrMapping/>
-  </p:clrMapOvr>
-</p:sld>
-</file>
-
-<file path=ppt/slides/slide41.xml><?xml version="1.0" encoding="utf-8"?>
-<p:sld xmlns:a="http://schemas.openxmlformats.org/drawingml/2006/main" xmlns:r="http://schemas.openxmlformats.org/officeDocument/2006/relationships" xmlns:p="http://schemas.openxmlformats.org/presentationml/2006/main">
-  <p:cSld>
-    <p:spTree>
-      <p:nvGrpSpPr>
         <p:cNvPr id="1" name="Shape 316"/>
         <p:cNvGrpSpPr/>
         <p:nvPr/>
@@ -19634,7 +19544,7 @@
 </p:sld>
 </file>
 
-<file path=ppt/slides/slide42.xml><?xml version="1.0" encoding="utf-8"?>
+<file path=ppt/slides/slide41.xml><?xml version="1.0" encoding="utf-8"?>
 <p:sld xmlns:a="http://schemas.openxmlformats.org/drawingml/2006/main" xmlns:r="http://schemas.openxmlformats.org/officeDocument/2006/relationships" xmlns:p="http://schemas.openxmlformats.org/presentationml/2006/main">
   <p:cSld>
     <p:spTree>
@@ -19849,7 +19759,7 @@
 </p:sld>
 </file>
 
-<file path=ppt/slides/slide43.xml><?xml version="1.0" encoding="utf-8"?>
+<file path=ppt/slides/slide42.xml><?xml version="1.0" encoding="utf-8"?>
 <p:sld xmlns:a="http://schemas.openxmlformats.org/drawingml/2006/main" xmlns:r="http://schemas.openxmlformats.org/officeDocument/2006/relationships" xmlns:p="http://schemas.openxmlformats.org/presentationml/2006/main">
   <p:cSld>
     <p:spTree>
